--- a/presentation/presentacion.pptx
+++ b/presentation/presentacion.pptx
@@ -286,6 +286,50 @@
     </p:ext>
   </p:extLst>
 </p:presentation>
+</file>
+
+<file path=ppt/changesInfos/changesInfo1.xml><?xml version="1.0" encoding="utf-8"?>
+<pc:chgInfo xmlns:a="http://schemas.openxmlformats.org/drawingml/2006/main" xmlns:r="http://schemas.openxmlformats.org/officeDocument/2006/relationships" xmlns:ac="http://schemas.microsoft.com/office/drawing/2013/main/command" xmlns:pc="http://schemas.microsoft.com/office/powerpoint/2013/main/command">
+  <pc:docChgLst>
+    <pc:chgData name="KOKAJ REDON" userId="509f8f22-2388-4914-830a-b3f6f4856ff7" providerId="ADAL" clId="{B5082591-0C6B-1F4C-B807-3EB2AECBDD3D}"/>
+    <pc:docChg chg="modSld">
+      <pc:chgData name="KOKAJ REDON" userId="509f8f22-2388-4914-830a-b3f6f4856ff7" providerId="ADAL" clId="{B5082591-0C6B-1F4C-B807-3EB2AECBDD3D}" dt="2023-01-16T14:20:41.703" v="2" actId="20577"/>
+      <pc:docMkLst>
+        <pc:docMk/>
+      </pc:docMkLst>
+      <pc:sldChg chg="modSp mod">
+        <pc:chgData name="KOKAJ REDON" userId="509f8f22-2388-4914-830a-b3f6f4856ff7" providerId="ADAL" clId="{B5082591-0C6B-1F4C-B807-3EB2AECBDD3D}" dt="2023-01-16T14:15:10.767" v="1" actId="20577"/>
+        <pc:sldMkLst>
+          <pc:docMk/>
+          <pc:sldMk cId="0" sldId="261"/>
+        </pc:sldMkLst>
+        <pc:spChg chg="mod">
+          <ac:chgData name="KOKAJ REDON" userId="509f8f22-2388-4914-830a-b3f6f4856ff7" providerId="ADAL" clId="{B5082591-0C6B-1F4C-B807-3EB2AECBDD3D}" dt="2023-01-16T14:15:10.767" v="1" actId="20577"/>
+          <ac:spMkLst>
+            <pc:docMk/>
+            <pc:sldMk cId="0" sldId="261"/>
+            <ac:spMk id="103" creationId="{00000000-0000-0000-0000-000000000000}"/>
+          </ac:spMkLst>
+        </pc:spChg>
+      </pc:sldChg>
+      <pc:sldChg chg="modSp mod">
+        <pc:chgData name="KOKAJ REDON" userId="509f8f22-2388-4914-830a-b3f6f4856ff7" providerId="ADAL" clId="{B5082591-0C6B-1F4C-B807-3EB2AECBDD3D}" dt="2023-01-16T14:20:41.703" v="2" actId="20577"/>
+        <pc:sldMkLst>
+          <pc:docMk/>
+          <pc:sldMk cId="0" sldId="271"/>
+        </pc:sldMkLst>
+        <pc:spChg chg="mod">
+          <ac:chgData name="KOKAJ REDON" userId="509f8f22-2388-4914-830a-b3f6f4856ff7" providerId="ADAL" clId="{B5082591-0C6B-1F4C-B807-3EB2AECBDD3D}" dt="2023-01-16T14:20:41.703" v="2" actId="20577"/>
+          <ac:spMkLst>
+            <pc:docMk/>
+            <pc:sldMk cId="0" sldId="271"/>
+            <ac:spMk id="173" creationId="{00000000-0000-0000-0000-000000000000}"/>
+          </ac:spMkLst>
+        </pc:spChg>
+      </pc:sldChg>
+    </pc:docChg>
+  </pc:docChgLst>
+</pc:chgInfo>
 </file>
 
 <file path=ppt/notesMasters/notesMaster1.xml><?xml version="1.0" encoding="utf-8"?>
@@ -8769,7 +8813,25 @@
                 <a:ea typeface="Open Sans" panose="020B0606030504020204" pitchFamily="34" charset="0"/>
                 <a:cs typeface="Open Sans" panose="020B0606030504020204" pitchFamily="34" charset="0"/>
               </a:rPr>
-              <a:t>La verdad es que aprendí mucho haciendo este trabajo, porque tuve que investigar mucho por mi cuenta, en el sentido de que no sabía cómo funcionaba Neo4j, y tuve que esforzarme mucho en aprender </a:t>
+              <a:t>La verdad es que aprendí mucho haciendo este trabajo, porque tuve que investigar mucho por mi cuenta, en el sentido de que no sabía cómo funcionaba Neo4j, y tuve que </a:t>
+            </a:r>
+            <a:r>
+              <a:rPr lang="es-ES" sz="1400">
+                <a:effectLst/>
+                <a:latin typeface="Open Sans" panose="020B0606030504020204" pitchFamily="34" charset="0"/>
+                <a:ea typeface="Open Sans" panose="020B0606030504020204" pitchFamily="34" charset="0"/>
+                <a:cs typeface="Open Sans" panose="020B0606030504020204" pitchFamily="34" charset="0"/>
+              </a:rPr>
+              <a:t>esforzarme en </a:t>
+            </a:r>
+            <a:r>
+              <a:rPr lang="es-ES" sz="1400" dirty="0">
+                <a:effectLst/>
+                <a:latin typeface="Open Sans" panose="020B0606030504020204" pitchFamily="34" charset="0"/>
+                <a:ea typeface="Open Sans" panose="020B0606030504020204" pitchFamily="34" charset="0"/>
+                <a:cs typeface="Open Sans" panose="020B0606030504020204" pitchFamily="34" charset="0"/>
+              </a:rPr>
+              <a:t>aprender </a:t>
             </a:r>
             <a:r>
               <a:rPr lang="es-ES" sz="1400" dirty="0" err="1">
@@ -10526,33 +10588,6 @@
               <a:spcAft>
                 <a:spcPts val="0"/>
               </a:spcAft>
-              <a:buNone/>
-            </a:pPr>
-            <a:r>
-              <a:rPr lang="es" sz="1400" dirty="0">
-                <a:solidFill>
-                  <a:schemeClr val="accent1"/>
-                </a:solidFill>
-                <a:latin typeface="Open Sans" panose="020B0606030504020204" pitchFamily="34" charset="0"/>
-                <a:ea typeface="Open Sans" panose="020B0606030504020204" pitchFamily="34" charset="0"/>
-                <a:cs typeface="Open Sans" panose="020B0606030504020204" pitchFamily="34" charset="0"/>
-              </a:rPr>
-              <a:t>A.-CONJUNTO DE DATOS</a:t>
-            </a:r>
-            <a:endParaRPr sz="1400" dirty="0">
-              <a:solidFill>
-                <a:schemeClr val="accent1"/>
-              </a:solidFill>
-              <a:latin typeface="Open Sans" panose="020B0606030504020204" pitchFamily="34" charset="0"/>
-              <a:ea typeface="Open Sans" panose="020B0606030504020204" pitchFamily="34" charset="0"/>
-              <a:cs typeface="Open Sans" panose="020B0606030504020204" pitchFamily="34" charset="0"/>
-            </a:endParaRPr>
-          </a:p>
-          <a:p>
-            <a:pPr marL="152400" indent="0" algn="just">
-              <a:lnSpc>
-                <a:spcPct val="115000"/>
-              </a:lnSpc>
               <a:buNone/>
             </a:pPr>
             <a:r>
